--- a/01_视频教程/课堂PPT/2-2-5_基础对象的样式(styles).pptx
+++ b/01_视频教程/课堂PPT/2-2-5_基础对象的样式(styles).pptx
@@ -383,7 +383,7 @@
           <a:p>
             <a:fld id="{E317E137-ED4E-4D7C-9DD8-04B774B853BB}" type="datetimeFigureOut">
               <a:rPr lang="zh-CN" altLang="en-US" smtClean="0"/>
-              <a:t>2021/12/31</a:t>
+              <a:t>2022/1/6</a:t>
             </a:fld>
             <a:endParaRPr lang="zh-CN" altLang="en-US"/>
           </a:p>
@@ -581,7 +581,7 @@
           <a:p>
             <a:fld id="{E317E137-ED4E-4D7C-9DD8-04B774B853BB}" type="datetimeFigureOut">
               <a:rPr lang="zh-CN" altLang="en-US" smtClean="0"/>
-              <a:t>2021/12/31</a:t>
+              <a:t>2022/1/6</a:t>
             </a:fld>
             <a:endParaRPr lang="zh-CN" altLang="en-US"/>
           </a:p>
@@ -789,7 +789,7 @@
           <a:p>
             <a:fld id="{E317E137-ED4E-4D7C-9DD8-04B774B853BB}" type="datetimeFigureOut">
               <a:rPr lang="zh-CN" altLang="en-US" smtClean="0"/>
-              <a:t>2021/12/31</a:t>
+              <a:t>2022/1/6</a:t>
             </a:fld>
             <a:endParaRPr lang="zh-CN" altLang="en-US"/>
           </a:p>
@@ -987,7 +987,7 @@
           <a:p>
             <a:fld id="{E317E137-ED4E-4D7C-9DD8-04B774B853BB}" type="datetimeFigureOut">
               <a:rPr lang="zh-CN" altLang="en-US" smtClean="0"/>
-              <a:t>2021/12/31</a:t>
+              <a:t>2022/1/6</a:t>
             </a:fld>
             <a:endParaRPr lang="zh-CN" altLang="en-US"/>
           </a:p>
@@ -1262,7 +1262,7 @@
           <a:p>
             <a:fld id="{E317E137-ED4E-4D7C-9DD8-04B774B853BB}" type="datetimeFigureOut">
               <a:rPr lang="zh-CN" altLang="en-US" smtClean="0"/>
-              <a:t>2021/12/31</a:t>
+              <a:t>2022/1/6</a:t>
             </a:fld>
             <a:endParaRPr lang="zh-CN" altLang="en-US"/>
           </a:p>
@@ -1527,7 +1527,7 @@
           <a:p>
             <a:fld id="{E317E137-ED4E-4D7C-9DD8-04B774B853BB}" type="datetimeFigureOut">
               <a:rPr lang="zh-CN" altLang="en-US" smtClean="0"/>
-              <a:t>2021/12/31</a:t>
+              <a:t>2022/1/6</a:t>
             </a:fld>
             <a:endParaRPr lang="zh-CN" altLang="en-US"/>
           </a:p>
@@ -1939,7 +1939,7 @@
           <a:p>
             <a:fld id="{E317E137-ED4E-4D7C-9DD8-04B774B853BB}" type="datetimeFigureOut">
               <a:rPr lang="zh-CN" altLang="en-US" smtClean="0"/>
-              <a:t>2021/12/31</a:t>
+              <a:t>2022/1/6</a:t>
             </a:fld>
             <a:endParaRPr lang="zh-CN" altLang="en-US"/>
           </a:p>
@@ -2080,7 +2080,7 @@
           <a:p>
             <a:fld id="{E317E137-ED4E-4D7C-9DD8-04B774B853BB}" type="datetimeFigureOut">
               <a:rPr lang="zh-CN" altLang="en-US" smtClean="0"/>
-              <a:t>2021/12/31</a:t>
+              <a:t>2022/1/6</a:t>
             </a:fld>
             <a:endParaRPr lang="zh-CN" altLang="en-US"/>
           </a:p>
@@ -2193,7 +2193,7 @@
           <a:p>
             <a:fld id="{E317E137-ED4E-4D7C-9DD8-04B774B853BB}" type="datetimeFigureOut">
               <a:rPr lang="zh-CN" altLang="en-US" smtClean="0"/>
-              <a:t>2021/12/31</a:t>
+              <a:t>2022/1/6</a:t>
             </a:fld>
             <a:endParaRPr lang="zh-CN" altLang="en-US"/>
           </a:p>
@@ -2504,7 +2504,7 @@
           <a:p>
             <a:fld id="{E317E137-ED4E-4D7C-9DD8-04B774B853BB}" type="datetimeFigureOut">
               <a:rPr lang="zh-CN" altLang="en-US" smtClean="0"/>
-              <a:t>2021/12/31</a:t>
+              <a:t>2022/1/6</a:t>
             </a:fld>
             <a:endParaRPr lang="zh-CN" altLang="en-US"/>
           </a:p>
@@ -2792,7 +2792,7 @@
           <a:p>
             <a:fld id="{E317E137-ED4E-4D7C-9DD8-04B774B853BB}" type="datetimeFigureOut">
               <a:rPr lang="zh-CN" altLang="en-US" smtClean="0"/>
-              <a:t>2021/12/31</a:t>
+              <a:t>2022/1/6</a:t>
             </a:fld>
             <a:endParaRPr lang="zh-CN" altLang="en-US"/>
           </a:p>
@@ -3033,7 +3033,7 @@
           <a:p>
             <a:fld id="{E317E137-ED4E-4D7C-9DD8-04B774B853BB}" type="datetimeFigureOut">
               <a:rPr lang="zh-CN" altLang="en-US" smtClean="0"/>
-              <a:t>2021/12/31</a:t>
+              <a:t>2022/1/6</a:t>
             </a:fld>
             <a:endParaRPr lang="zh-CN" altLang="en-US"/>
           </a:p>
@@ -5167,7 +5167,7 @@
         <p:spPr>
           <a:xfrm>
             <a:off x="838200" y="1448874"/>
-            <a:ext cx="10515600" cy="3635459"/>
+            <a:ext cx="10515600" cy="4499439"/>
           </a:xfrm>
           <a:prstGeom prst="rect">
             <a:avLst/>
@@ -5280,7 +5280,23 @@
             </a:pPr>
             <a:r>
               <a:rPr lang="zh-CN" altLang="en-US" sz="2000"/>
-              <a:t>除了“普通” 样式外，对象还可以存储 本地样式 。</a:t>
+              <a:t>除了“普通” 样式外，对象还可以存储 本地样式</a:t>
+            </a:r>
+            <a:r>
+              <a:rPr lang="en-US" altLang="zh-CN" sz="2000"/>
+              <a:t>(</a:t>
+            </a:r>
+            <a:r>
+              <a:rPr lang="zh-CN" altLang="en-US" sz="2000"/>
+              <a:t>私有样式</a:t>
+            </a:r>
+            <a:r>
+              <a:rPr lang="en-US" altLang="zh-CN" sz="2000"/>
+              <a:t>)</a:t>
+            </a:r>
+            <a:r>
+              <a:rPr lang="zh-CN" altLang="en-US" sz="2000"/>
+              <a:t> 。</a:t>
             </a:r>
             <a:endParaRPr lang="en-US" altLang="zh-CN" sz="2000"/>
           </a:p>
@@ -5360,6 +5376,55 @@
             <a:r>
               <a:rPr lang="en-US" altLang="zh-CN" sz="1800"/>
               <a:t>	lv_style_set_....</a:t>
+            </a:r>
+          </a:p>
+          <a:p>
+            <a:pPr>
+              <a:lnSpc>
+                <a:spcPct val="100000"/>
+              </a:lnSpc>
+            </a:pPr>
+            <a:r>
+              <a:rPr lang="zh-CN" altLang="en-US" sz="1800"/>
+              <a:t>删除本地样式的时候我们删除某一个样式：</a:t>
+            </a:r>
+            <a:br>
+              <a:rPr lang="en-US" altLang="zh-CN" sz="1800"/>
+            </a:br>
+            <a:r>
+              <a:rPr lang="en-US" altLang="zh-CN" sz="1800"/>
+              <a:t>	 lv_obj_remove_local_style_prop(obj, LV_STYLE_..., </a:t>
+            </a:r>
+            <a:r>
+              <a:rPr lang="pl-PL" altLang="zh-CN" sz="1800"/>
+              <a:t>selector</a:t>
+            </a:r>
+            <a:r>
+              <a:rPr lang="en-US" altLang="zh-CN" sz="1800"/>
+              <a:t>);</a:t>
+            </a:r>
+            <a:br>
+              <a:rPr lang="en-US" altLang="zh-CN" sz="1800"/>
+            </a:br>
+            <a:r>
+              <a:rPr lang="en-US" altLang="zh-CN" sz="1800"/>
+              <a:t>LV_STYLE_...</a:t>
+            </a:r>
+            <a:r>
+              <a:rPr lang="zh-CN" altLang="en-US" sz="1800"/>
+              <a:t>的取值请看： </a:t>
+            </a:r>
+            <a:r>
+              <a:rPr lang="en-US" altLang="zh-CN" sz="1800"/>
+              <a:t>lvgl/src/misc/lv_style.h </a:t>
+            </a:r>
+            <a:r>
+              <a:rPr lang="zh-CN" altLang="en-US" sz="1800"/>
+              <a:t>中的 </a:t>
+            </a:r>
+            <a:r>
+              <a:rPr lang="en-US" altLang="zh-CN" sz="1800"/>
+              <a:t>lv_style_prop_t </a:t>
             </a:r>
             <a:endParaRPr lang="zh-CN" altLang="en-US" sz="1800" dirty="0"/>
           </a:p>

--- a/01_视频教程/课堂PPT/2-2-5_基础对象的样式(styles).pptx
+++ b/01_视频教程/课堂PPT/2-2-5_基础对象的样式(styles).pptx
@@ -383,7 +383,7 @@
           <a:p>
             <a:fld id="{E317E137-ED4E-4D7C-9DD8-04B774B853BB}" type="datetimeFigureOut">
               <a:rPr lang="zh-CN" altLang="en-US" smtClean="0"/>
-              <a:t>2022/1/6</a:t>
+              <a:t>2022/1/12</a:t>
             </a:fld>
             <a:endParaRPr lang="zh-CN" altLang="en-US"/>
           </a:p>
@@ -581,7 +581,7 @@
           <a:p>
             <a:fld id="{E317E137-ED4E-4D7C-9DD8-04B774B853BB}" type="datetimeFigureOut">
               <a:rPr lang="zh-CN" altLang="en-US" smtClean="0"/>
-              <a:t>2022/1/6</a:t>
+              <a:t>2022/1/12</a:t>
             </a:fld>
             <a:endParaRPr lang="zh-CN" altLang="en-US"/>
           </a:p>
@@ -789,7 +789,7 @@
           <a:p>
             <a:fld id="{E317E137-ED4E-4D7C-9DD8-04B774B853BB}" type="datetimeFigureOut">
               <a:rPr lang="zh-CN" altLang="en-US" smtClean="0"/>
-              <a:t>2022/1/6</a:t>
+              <a:t>2022/1/12</a:t>
             </a:fld>
             <a:endParaRPr lang="zh-CN" altLang="en-US"/>
           </a:p>
@@ -987,7 +987,7 @@
           <a:p>
             <a:fld id="{E317E137-ED4E-4D7C-9DD8-04B774B853BB}" type="datetimeFigureOut">
               <a:rPr lang="zh-CN" altLang="en-US" smtClean="0"/>
-              <a:t>2022/1/6</a:t>
+              <a:t>2022/1/12</a:t>
             </a:fld>
             <a:endParaRPr lang="zh-CN" altLang="en-US"/>
           </a:p>
@@ -1262,7 +1262,7 @@
           <a:p>
             <a:fld id="{E317E137-ED4E-4D7C-9DD8-04B774B853BB}" type="datetimeFigureOut">
               <a:rPr lang="zh-CN" altLang="en-US" smtClean="0"/>
-              <a:t>2022/1/6</a:t>
+              <a:t>2022/1/12</a:t>
             </a:fld>
             <a:endParaRPr lang="zh-CN" altLang="en-US"/>
           </a:p>
@@ -1527,7 +1527,7 @@
           <a:p>
             <a:fld id="{E317E137-ED4E-4D7C-9DD8-04B774B853BB}" type="datetimeFigureOut">
               <a:rPr lang="zh-CN" altLang="en-US" smtClean="0"/>
-              <a:t>2022/1/6</a:t>
+              <a:t>2022/1/12</a:t>
             </a:fld>
             <a:endParaRPr lang="zh-CN" altLang="en-US"/>
           </a:p>
@@ -1939,7 +1939,7 @@
           <a:p>
             <a:fld id="{E317E137-ED4E-4D7C-9DD8-04B774B853BB}" type="datetimeFigureOut">
               <a:rPr lang="zh-CN" altLang="en-US" smtClean="0"/>
-              <a:t>2022/1/6</a:t>
+              <a:t>2022/1/12</a:t>
             </a:fld>
             <a:endParaRPr lang="zh-CN" altLang="en-US"/>
           </a:p>
@@ -2080,7 +2080,7 @@
           <a:p>
             <a:fld id="{E317E137-ED4E-4D7C-9DD8-04B774B853BB}" type="datetimeFigureOut">
               <a:rPr lang="zh-CN" altLang="en-US" smtClean="0"/>
-              <a:t>2022/1/6</a:t>
+              <a:t>2022/1/12</a:t>
             </a:fld>
             <a:endParaRPr lang="zh-CN" altLang="en-US"/>
           </a:p>
@@ -2193,7 +2193,7 @@
           <a:p>
             <a:fld id="{E317E137-ED4E-4D7C-9DD8-04B774B853BB}" type="datetimeFigureOut">
               <a:rPr lang="zh-CN" altLang="en-US" smtClean="0"/>
-              <a:t>2022/1/6</a:t>
+              <a:t>2022/1/12</a:t>
             </a:fld>
             <a:endParaRPr lang="zh-CN" altLang="en-US"/>
           </a:p>
@@ -2504,7 +2504,7 @@
           <a:p>
             <a:fld id="{E317E137-ED4E-4D7C-9DD8-04B774B853BB}" type="datetimeFigureOut">
               <a:rPr lang="zh-CN" altLang="en-US" smtClean="0"/>
-              <a:t>2022/1/6</a:t>
+              <a:t>2022/1/12</a:t>
             </a:fld>
             <a:endParaRPr lang="zh-CN" altLang="en-US"/>
           </a:p>
@@ -2792,7 +2792,7 @@
           <a:p>
             <a:fld id="{E317E137-ED4E-4D7C-9DD8-04B774B853BB}" type="datetimeFigureOut">
               <a:rPr lang="zh-CN" altLang="en-US" smtClean="0"/>
-              <a:t>2022/1/6</a:t>
+              <a:t>2022/1/12</a:t>
             </a:fld>
             <a:endParaRPr lang="zh-CN" altLang="en-US"/>
           </a:p>
@@ -3033,7 +3033,7 @@
           <a:p>
             <a:fld id="{E317E137-ED4E-4D7C-9DD8-04B774B853BB}" type="datetimeFigureOut">
               <a:rPr lang="zh-CN" altLang="en-US" smtClean="0"/>
-              <a:t>2022/1/6</a:t>
+              <a:t>2022/1/12</a:t>
             </a:fld>
             <a:endParaRPr lang="zh-CN" altLang="en-US"/>
           </a:p>
@@ -5327,87 +5327,75 @@
             </a:br>
             <a:r>
               <a:rPr lang="en-US" altLang="zh-CN" sz="1800"/>
-              <a:t>	lv_obj_set_style_local_&lt;property_name&gt;(obj, &lt;value&gt;, </a:t>
-            </a:r>
-            <a:r>
-              <a:rPr lang="pl-PL" altLang="zh-CN" sz="1800"/>
-              <a:t>&lt;selector&gt;</a:t>
-            </a:r>
-            <a:r>
-              <a:rPr lang="en-US" altLang="zh-CN" sz="1800"/>
-              <a:t>);</a:t>
-            </a:r>
-          </a:p>
-          <a:p>
-            <a:pPr>
-              <a:lnSpc>
-                <a:spcPct val="100000"/>
-              </a:lnSpc>
-            </a:pPr>
-            <a:r>
-              <a:rPr lang="zh-CN" altLang="en-US" sz="1800"/>
-              <a:t>示例：</a:t>
+              <a:t>	lv_obj_set_style_&lt;property_name&gt;(obj, &lt;value&gt;, &lt;selector&gt;);</a:t>
             </a:r>
             <a:br>
               <a:rPr lang="en-US" altLang="zh-CN" sz="1800"/>
             </a:br>
             <a:r>
-              <a:rPr lang="en-US" altLang="zh-CN" sz="1800"/>
-              <a:t>	lv_obj_set_style_bg_color(obj,  lv_color_hex(0xffffff), 0);   // </a:t>
-            </a:r>
-            <a:r>
               <a:rPr lang="zh-CN" altLang="en-US" sz="1800"/>
-              <a:t>设置背景色</a:t>
+              <a:t>示例：</a:t>
             </a:r>
             <a:br>
               <a:rPr lang="en-US" altLang="zh-CN" sz="1800"/>
             </a:br>
             <a:r>
               <a:rPr lang="en-US" altLang="zh-CN" sz="1800"/>
-              <a:t>	lv_obj_set_style_bg_opa(obj, LV_OPA_50, 0);	              // </a:t>
+              <a:t>	lv_obj_set_style_bg_color(obj,  lv_color_hex(0xffffff), 0);   // </a:t>
             </a:r>
             <a:r>
               <a:rPr lang="zh-CN" altLang="en-US" sz="1800"/>
-              <a:t>设置背景透明度</a:t>
+              <a:t>设置背景色</a:t>
             </a:r>
             <a:br>
               <a:rPr lang="en-US" altLang="zh-CN" sz="1800"/>
             </a:br>
             <a:r>
               <a:rPr lang="en-US" altLang="zh-CN" sz="1800"/>
-              <a:t>	lv_style_set_....</a:t>
-            </a:r>
-          </a:p>
-          <a:p>
-            <a:pPr>
-              <a:lnSpc>
-                <a:spcPct val="100000"/>
-              </a:lnSpc>
-            </a:pPr>
+              <a:t>	lv_obj_set_style_bg_opa(obj, LV_OPA_50, 0);	              // </a:t>
+            </a:r>
             <a:r>
               <a:rPr lang="zh-CN" altLang="en-US" sz="1800"/>
-              <a:t>删除本地样式的时候我们删除某一个样式：</a:t>
+              <a:t>设置背景透明度</a:t>
             </a:r>
             <a:br>
               <a:rPr lang="en-US" altLang="zh-CN" sz="1800"/>
             </a:br>
             <a:r>
               <a:rPr lang="en-US" altLang="zh-CN" sz="1800"/>
-              <a:t>	 lv_obj_remove_local_style_prop(obj, LV_STYLE_..., </a:t>
-            </a:r>
-            <a:r>
-              <a:rPr lang="pl-PL" altLang="zh-CN" sz="1800"/>
-              <a:t>selector</a:t>
-            </a:r>
-            <a:r>
-              <a:rPr lang="en-US" altLang="zh-CN" sz="1800"/>
-              <a:t>);</a:t>
+              <a:t>	lv_style_set_style_....</a:t>
+            </a:r>
+          </a:p>
+          <a:p>
+            <a:pPr>
+              <a:lnSpc>
+                <a:spcPct val="100000"/>
+              </a:lnSpc>
+            </a:pPr>
+            <a:r>
+              <a:rPr lang="zh-CN" altLang="en-US" sz="1800"/>
+              <a:t>删除本地样式的时候我们删除某一个样式：</a:t>
             </a:r>
             <a:br>
               <a:rPr lang="en-US" altLang="zh-CN" sz="1800"/>
             </a:br>
             <a:r>
               <a:rPr lang="en-US" altLang="zh-CN" sz="1800"/>
+              <a:t>	 lv_obj_remove_local_style_prop(obj, LV_STYLE_..., </a:t>
+            </a:r>
+            <a:r>
+              <a:rPr lang="pl-PL" altLang="zh-CN" sz="1800"/>
+              <a:t>selector</a:t>
+            </a:r>
+            <a:r>
+              <a:rPr lang="en-US" altLang="zh-CN" sz="1800"/>
+              <a:t>);</a:t>
+            </a:r>
+            <a:br>
+              <a:rPr lang="en-US" altLang="zh-CN" sz="1800"/>
+            </a:br>
+            <a:r>
+              <a:rPr lang="en-US" altLang="zh-CN" sz="1800"/>
               <a:t>LV_STYLE_...</a:t>
             </a:r>
             <a:r>
@@ -5423,10 +5411,10 @@
               <a:t>中的 </a:t>
             </a:r>
             <a:r>
-              <a:rPr lang="en-US" altLang="zh-CN" sz="1800"/>
+              <a:rPr lang="en-US" altLang="zh-CN" sz="1800" b="1"/>
               <a:t>lv_style_prop_t </a:t>
             </a:r>
-            <a:endParaRPr lang="zh-CN" altLang="en-US" sz="1800" dirty="0"/>
+            <a:endParaRPr lang="zh-CN" altLang="en-US" sz="1800" b="1" dirty="0"/>
           </a:p>
         </p:txBody>
       </p:sp>
